--- a/Reactive Programming in Java.pptx
+++ b/Reactive Programming in Java.pptx
@@ -10,9 +10,10 @@
     <p:sldId id="258" r:id="rId4"/>
     <p:sldId id="259" r:id="rId5"/>
     <p:sldId id="260" r:id="rId6"/>
-    <p:sldId id="261" r:id="rId7"/>
-    <p:sldId id="263" r:id="rId8"/>
-    <p:sldId id="262" r:id="rId9"/>
+    <p:sldId id="264" r:id="rId7"/>
+    <p:sldId id="261" r:id="rId8"/>
+    <p:sldId id="263" r:id="rId9"/>
+    <p:sldId id="262" r:id="rId10"/>
   </p:sldIdLst>
   <p:sldSz cx="12192000" cy="6858000"/>
   <p:notesSz cx="6858000" cy="9144000"/>
@@ -308,7 +309,7 @@
             <a:fld id="{B61BEF0D-F0BB-DE4B-95CE-6DB70DBA9567}" type="datetimeFigureOut">
               <a:rPr lang="en-US" dirty="0"/>
               <a:pPr/>
-              <a:t>3/6/2019</a:t>
+              <a:t>7/8/2019</a:t>
             </a:fld>
             <a:endParaRPr lang="en-US" dirty="0"/>
           </a:p>
@@ -643,7 +644,7 @@
             <a:fld id="{B61BEF0D-F0BB-DE4B-95CE-6DB70DBA9567}" type="datetimeFigureOut">
               <a:rPr lang="en-US" dirty="0"/>
               <a:pPr/>
-              <a:t>3/6/2019</a:t>
+              <a:t>7/8/2019</a:t>
             </a:fld>
             <a:endParaRPr lang="en-US" dirty="0"/>
           </a:p>
@@ -1041,7 +1042,7 @@
             <a:fld id="{B61BEF0D-F0BB-DE4B-95CE-6DB70DBA9567}" type="datetimeFigureOut">
               <a:rPr lang="en-US" dirty="0"/>
               <a:pPr/>
-              <a:t>3/6/2019</a:t>
+              <a:t>7/8/2019</a:t>
             </a:fld>
             <a:endParaRPr lang="en-US" dirty="0"/>
           </a:p>
@@ -1374,7 +1375,7 @@
             <a:fld id="{B61BEF0D-F0BB-DE4B-95CE-6DB70DBA9567}" type="datetimeFigureOut">
               <a:rPr lang="en-US" dirty="0"/>
               <a:pPr/>
-              <a:t>3/6/2019</a:t>
+              <a:t>7/8/2019</a:t>
             </a:fld>
             <a:endParaRPr lang="en-US" dirty="0"/>
           </a:p>
@@ -1691,7 +1692,7 @@
             <a:fld id="{B61BEF0D-F0BB-DE4B-95CE-6DB70DBA9567}" type="datetimeFigureOut">
               <a:rPr lang="en-US" dirty="0"/>
               <a:pPr/>
-              <a:t>3/6/2019</a:t>
+              <a:t>7/8/2019</a:t>
             </a:fld>
             <a:endParaRPr lang="en-US" dirty="0"/>
           </a:p>
@@ -2084,7 +2085,7 @@
             <a:fld id="{B61BEF0D-F0BB-DE4B-95CE-6DB70DBA9567}" type="datetimeFigureOut">
               <a:rPr lang="en-US" dirty="0"/>
               <a:pPr/>
-              <a:t>3/6/2019</a:t>
+              <a:t>7/8/2019</a:t>
             </a:fld>
             <a:endParaRPr lang="en-US" dirty="0"/>
           </a:p>
@@ -2338,7 +2339,7 @@
             <a:fld id="{B61BEF0D-F0BB-DE4B-95CE-6DB70DBA9567}" type="datetimeFigureOut">
               <a:rPr lang="en-US" dirty="0"/>
               <a:pPr/>
-              <a:t>3/6/2019</a:t>
+              <a:t>7/8/2019</a:t>
             </a:fld>
             <a:endParaRPr lang="en-US" dirty="0"/>
           </a:p>
@@ -2597,7 +2598,7 @@
             <a:fld id="{B61BEF0D-F0BB-DE4B-95CE-6DB70DBA9567}" type="datetimeFigureOut">
               <a:rPr lang="en-US" dirty="0"/>
               <a:pPr/>
-              <a:t>3/6/2019</a:t>
+              <a:t>7/8/2019</a:t>
             </a:fld>
             <a:endParaRPr lang="en-US" dirty="0"/>
           </a:p>
@@ -2856,7 +2857,7 @@
             <a:fld id="{B61BEF0D-F0BB-DE4B-95CE-6DB70DBA9567}" type="datetimeFigureOut">
               <a:rPr lang="en-US" dirty="0"/>
               <a:pPr/>
-              <a:t>3/6/2019</a:t>
+              <a:t>7/8/2019</a:t>
             </a:fld>
             <a:endParaRPr lang="en-US" dirty="0"/>
           </a:p>
@@ -3182,7 +3183,7 @@
             <a:fld id="{B61BEF0D-F0BB-DE4B-95CE-6DB70DBA9567}" type="datetimeFigureOut">
               <a:rPr lang="en-US" dirty="0"/>
               <a:pPr/>
-              <a:t>3/6/2019</a:t>
+              <a:t>7/8/2019</a:t>
             </a:fld>
             <a:endParaRPr lang="en-US" dirty="0"/>
           </a:p>
@@ -3502,7 +3503,7 @@
             <a:fld id="{B61BEF0D-F0BB-DE4B-95CE-6DB70DBA9567}" type="datetimeFigureOut">
               <a:rPr lang="en-US" dirty="0"/>
               <a:pPr/>
-              <a:t>3/6/2019</a:t>
+              <a:t>7/8/2019</a:t>
             </a:fld>
             <a:endParaRPr lang="en-US" dirty="0"/>
           </a:p>
@@ -3956,7 +3957,7 @@
             <a:fld id="{B61BEF0D-F0BB-DE4B-95CE-6DB70DBA9567}" type="datetimeFigureOut">
               <a:rPr lang="en-US" dirty="0"/>
               <a:pPr/>
-              <a:t>3/6/2019</a:t>
+              <a:t>7/8/2019</a:t>
             </a:fld>
             <a:endParaRPr lang="en-US" dirty="0"/>
           </a:p>
@@ -4158,7 +4159,7 @@
             <a:fld id="{B61BEF0D-F0BB-DE4B-95CE-6DB70DBA9567}" type="datetimeFigureOut">
               <a:rPr lang="en-US" dirty="0"/>
               <a:pPr/>
-              <a:t>3/6/2019</a:t>
+              <a:t>7/8/2019</a:t>
             </a:fld>
             <a:endParaRPr lang="en-US" dirty="0"/>
           </a:p>
@@ -4332,7 +4333,7 @@
             <a:fld id="{B61BEF0D-F0BB-DE4B-95CE-6DB70DBA9567}" type="datetimeFigureOut">
               <a:rPr lang="en-US" dirty="0"/>
               <a:pPr/>
-              <a:t>3/6/2019</a:t>
+              <a:t>7/8/2019</a:t>
             </a:fld>
             <a:endParaRPr lang="en-US" dirty="0"/>
           </a:p>
@@ -4662,7 +4663,7 @@
             <a:fld id="{B61BEF0D-F0BB-DE4B-95CE-6DB70DBA9567}" type="datetimeFigureOut">
               <a:rPr lang="en-US" dirty="0"/>
               <a:pPr/>
-              <a:t>3/6/2019</a:t>
+              <a:t>7/8/2019</a:t>
             </a:fld>
             <a:endParaRPr lang="en-US" dirty="0"/>
           </a:p>
@@ -5004,7 +5005,7 @@
             <a:fld id="{B61BEF0D-F0BB-DE4B-95CE-6DB70DBA9567}" type="datetimeFigureOut">
               <a:rPr lang="en-US" dirty="0"/>
               <a:pPr/>
-              <a:t>3/6/2019</a:t>
+              <a:t>7/8/2019</a:t>
             </a:fld>
             <a:endParaRPr lang="en-US" dirty="0"/>
           </a:p>
@@ -7118,7 +7119,7 @@
             <a:fld id="{B61BEF0D-F0BB-DE4B-95CE-6DB70DBA9567}" type="datetimeFigureOut">
               <a:rPr lang="en-US" dirty="0"/>
               <a:pPr/>
-              <a:t>3/6/2019</a:t>
+              <a:t>7/8/2019</a:t>
             </a:fld>
             <a:endParaRPr lang="en-US" dirty="0"/>
           </a:p>
@@ -8058,6 +8059,13 @@
   <p:clrMapOvr>
     <a:masterClrMapping/>
   </p:clrMapOvr>
+  <p:timing>
+    <p:tnLst>
+      <p:par>
+        <p:cTn id="1" dur="indefinite" restart="never" nodeType="tmRoot"/>
+      </p:par>
+    </p:tnLst>
+  </p:timing>
 </p:sld>
 </file>
 
@@ -8265,11 +8273,7 @@
           <a:p>
             <a:r>
               <a:rPr lang="en-IN" dirty="0" smtClean="0"/>
-              <a:t>How </a:t>
-            </a:r>
-            <a:r>
-              <a:rPr lang="en-IN" dirty="0" smtClean="0"/>
-              <a:t>?</a:t>
+              <a:t>How ?</a:t>
             </a:r>
             <a:endParaRPr lang="en-IN" dirty="0"/>
           </a:p>
@@ -8307,7 +8311,6 @@
               <a:rPr lang="en-IN" sz="2000" dirty="0" smtClean="0"/>
               <a:t>Implementations</a:t>
             </a:r>
-            <a:endParaRPr lang="en-IN" sz="2000" dirty="0" smtClean="0"/>
           </a:p>
           <a:p>
             <a:pPr lvl="2">
@@ -8421,6 +8424,13 @@
   <p:clrMapOvr>
     <a:masterClrMapping/>
   </p:clrMapOvr>
+  <p:timing>
+    <p:tnLst>
+      <p:par>
+        <p:cTn id="1" dur="indefinite" restart="never" nodeType="tmRoot"/>
+      </p:par>
+    </p:tnLst>
+  </p:timing>
 </p:sld>
 </file>
 
@@ -8776,11 +8786,7 @@
                     <a:p>
                       <a:r>
                         <a:rPr lang="en-IN" dirty="0" smtClean="0"/>
-                        <a:t>Multiple </a:t>
-                      </a:r>
-                      <a:r>
-                        <a:rPr lang="en-IN" dirty="0" smtClean="0"/>
-                        <a:t>subscribers</a:t>
+                        <a:t>Multiple subscribers</a:t>
                       </a:r>
                       <a:endParaRPr lang="en-IN" dirty="0"/>
                     </a:p>
@@ -8908,6 +8914,67 @@
           <a:chExt cx="0" cy="0"/>
         </a:xfrm>
       </p:grpSpPr>
+      <p:pic>
+        <p:nvPicPr>
+          <p:cNvPr id="4" name="Picture 3"/>
+          <p:cNvPicPr>
+            <a:picLocks noChangeAspect="1"/>
+          </p:cNvPicPr>
+          <p:nvPr/>
+        </p:nvPicPr>
+        <p:blipFill>
+          <a:blip r:embed="rId2"/>
+          <a:stretch>
+            <a:fillRect/>
+          </a:stretch>
+        </p:blipFill>
+        <p:spPr>
+          <a:xfrm>
+            <a:off x="2451100" y="1231900"/>
+            <a:ext cx="8877300" cy="5040913"/>
+          </a:xfrm>
+          <a:prstGeom prst="rect">
+            <a:avLst/>
+          </a:prstGeom>
+        </p:spPr>
+      </p:pic>
+    </p:spTree>
+    <p:extLst>
+      <p:ext uri="{BB962C8B-B14F-4D97-AF65-F5344CB8AC3E}">
+        <p14:creationId xmlns:p14="http://schemas.microsoft.com/office/powerpoint/2010/main" val="2384397304"/>
+      </p:ext>
+    </p:extLst>
+  </p:cSld>
+  <p:clrMapOvr>
+    <a:masterClrMapping/>
+  </p:clrMapOvr>
+  <p:timing>
+    <p:tnLst>
+      <p:par>
+        <p:cTn id="1" dur="indefinite" restart="never" nodeType="tmRoot"/>
+      </p:par>
+    </p:tnLst>
+  </p:timing>
+</p:sld>
+</file>
+
+<file path=ppt/slides/slide7.xml><?xml version="1.0" encoding="utf-8"?>
+<p:sld xmlns:a="http://schemas.openxmlformats.org/drawingml/2006/main" xmlns:r="http://schemas.openxmlformats.org/officeDocument/2006/relationships" xmlns:p="http://schemas.openxmlformats.org/presentationml/2006/main">
+  <p:cSld>
+    <p:spTree>
+      <p:nvGrpSpPr>
+        <p:cNvPr id="1" name=""/>
+        <p:cNvGrpSpPr/>
+        <p:nvPr/>
+      </p:nvGrpSpPr>
+      <p:grpSpPr>
+        <a:xfrm>
+          <a:off x="0" y="0"/>
+          <a:ext cx="0" cy="0"/>
+          <a:chOff x="0" y="0"/>
+          <a:chExt cx="0" cy="0"/>
+        </a:xfrm>
+      </p:grpSpPr>
       <p:sp>
         <p:nvSpPr>
           <p:cNvPr id="3" name="Content Placeholder 2"/>
@@ -8942,7 +9009,6 @@
               <a:rPr lang="en-IN" sz="1800" dirty="0" smtClean="0"/>
               <a:t>Publisher – Emits data</a:t>
             </a:r>
-            <a:endParaRPr lang="en-IN" sz="1800" dirty="0" smtClean="0"/>
           </a:p>
           <a:p>
             <a:pPr lvl="1">
@@ -8953,7 +9019,6 @@
               <a:rPr lang="en-IN" sz="1800" dirty="0" smtClean="0"/>
               <a:t>Subscriber – Receives data</a:t>
             </a:r>
-            <a:endParaRPr lang="en-IN" sz="1800" dirty="0" smtClean="0"/>
           </a:p>
           <a:p>
             <a:pPr lvl="1">
@@ -8972,19 +9037,7 @@
             </a:pPr>
             <a:r>
               <a:rPr lang="en-IN" sz="1800" dirty="0" smtClean="0"/>
-              <a:t>Processor (</a:t>
-            </a:r>
-            <a:r>
-              <a:rPr lang="en-IN" sz="1800" dirty="0" smtClean="0"/>
-              <a:t>publisher </a:t>
-            </a:r>
-            <a:r>
-              <a:rPr lang="en-IN" sz="1800" dirty="0" smtClean="0"/>
-              <a:t>+</a:t>
-            </a:r>
-            <a:r>
-              <a:rPr lang="en-IN" sz="1800" dirty="0" smtClean="0"/>
-              <a:t>Subscriber</a:t>
+              <a:t>Processor (publisher +Subscriber</a:t>
             </a:r>
             <a:r>
               <a:rPr lang="en-IN" dirty="0" smtClean="0"/>
@@ -9323,7 +9376,7 @@
 </p:sld>
 </file>
 
-<file path=ppt/slides/slide7.xml><?xml version="1.0" encoding="utf-8"?>
+<file path=ppt/slides/slide8.xml><?xml version="1.0" encoding="utf-8"?>
 <p:sld xmlns:a="http://schemas.openxmlformats.org/drawingml/2006/main" xmlns:r="http://schemas.openxmlformats.org/officeDocument/2006/relationships" xmlns:p="http://schemas.openxmlformats.org/presentationml/2006/main">
   <p:cSld>
     <p:spTree>
@@ -9466,10 +9519,17 @@
   <p:clrMapOvr>
     <a:masterClrMapping/>
   </p:clrMapOvr>
+  <p:timing>
+    <p:tnLst>
+      <p:par>
+        <p:cTn id="1" dur="indefinite" restart="never" nodeType="tmRoot"/>
+      </p:par>
+    </p:tnLst>
+  </p:timing>
 </p:sld>
 </file>
 
-<file path=ppt/slides/slide8.xml><?xml version="1.0" encoding="utf-8"?>
+<file path=ppt/slides/slide9.xml><?xml version="1.0" encoding="utf-8"?>
 <p:sld xmlns:a="http://schemas.openxmlformats.org/drawingml/2006/main" xmlns:r="http://schemas.openxmlformats.org/officeDocument/2006/relationships" xmlns:p="http://schemas.openxmlformats.org/presentationml/2006/main">
   <p:cSld>
     <p:bg>
